--- a/Documentation/Presentation.pptx
+++ b/Documentation/Presentation.pptx
@@ -5,17 +5,16 @@
     <p:sldMasterId id="2147483710" r:id="rId1"/>
   </p:sldMasterIdLst>
   <p:notesMasterIdLst>
-    <p:notesMasterId r:id="rId10"/>
+    <p:notesMasterId r:id="rId9"/>
   </p:notesMasterIdLst>
   <p:sldIdLst>
     <p:sldId id="256" r:id="rId2"/>
     <p:sldId id="259" r:id="rId3"/>
-    <p:sldId id="258" r:id="rId4"/>
-    <p:sldId id="269" r:id="rId5"/>
-    <p:sldId id="265" r:id="rId6"/>
-    <p:sldId id="277" r:id="rId7"/>
-    <p:sldId id="273" r:id="rId8"/>
-    <p:sldId id="347" r:id="rId9"/>
+    <p:sldId id="269" r:id="rId4"/>
+    <p:sldId id="265" r:id="rId5"/>
+    <p:sldId id="277" r:id="rId6"/>
+    <p:sldId id="273" r:id="rId7"/>
+    <p:sldId id="347" r:id="rId8"/>
   </p:sldIdLst>
   <p:sldSz cx="9144000" cy="5143500" type="screen16x9"/>
   <p:notesSz cx="6858000" cy="9144000"/>
@@ -254,6 +253,11 @@
         <p15:guide id="1" pos="4464">
           <p15:clr>
             <a:srgbClr val="9AA0A6"/>
+          </p15:clr>
+        </p15:guide>
+        <p15:guide id="2" orient="horz" pos="1620">
+          <p15:clr>
+            <a:srgbClr val="A4A3A4"/>
           </p15:clr>
         </p15:guide>
       </p15:sldGuideLst>
@@ -916,110 +920,6 @@
   <p:cSld>
     <p:spTree>
       <p:nvGrpSpPr>
-        <p:cNvPr id="1" name="Shape 473"/>
-        <p:cNvGrpSpPr/>
-        <p:nvPr/>
-      </p:nvGrpSpPr>
-      <p:grpSpPr>
-        <a:xfrm>
-          <a:off x="0" y="0"/>
-          <a:ext cx="0" cy="0"/>
-          <a:chOff x="0" y="0"/>
-          <a:chExt cx="0" cy="0"/>
-        </a:xfrm>
-      </p:grpSpPr>
-      <p:sp>
-        <p:nvSpPr>
-          <p:cNvPr id="474" name="Google Shape;474;g7b02797fa4_2_1790:notes"/>
-          <p:cNvSpPr>
-            <a:spLocks noGrp="1" noRot="1" noChangeAspect="1"/>
-          </p:cNvSpPr>
-          <p:nvPr>
-            <p:ph type="sldImg" idx="2"/>
-          </p:nvPr>
-        </p:nvSpPr>
-        <p:spPr>
-          <a:xfrm>
-            <a:off x="381000" y="685800"/>
-            <a:ext cx="6096000" cy="3429000"/>
-          </a:xfrm>
-          <a:custGeom>
-            <a:avLst/>
-            <a:gdLst/>
-            <a:ahLst/>
-            <a:cxnLst/>
-            <a:rect l="l" t="t" r="r" b="b"/>
-            <a:pathLst>
-              <a:path w="120000" h="120000" extrusionOk="0">
-                <a:moveTo>
-                  <a:pt x="0" y="0"/>
-                </a:moveTo>
-                <a:lnTo>
-                  <a:pt x="120000" y="0"/>
-                </a:lnTo>
-                <a:lnTo>
-                  <a:pt x="120000" y="120000"/>
-                </a:lnTo>
-                <a:lnTo>
-                  <a:pt x="0" y="120000"/>
-                </a:lnTo>
-                <a:close/>
-              </a:path>
-            </a:pathLst>
-          </a:custGeom>
-        </p:spPr>
-      </p:sp>
-      <p:sp>
-        <p:nvSpPr>
-          <p:cNvPr id="475" name="Google Shape;475;g7b02797fa4_2_1790:notes"/>
-          <p:cNvSpPr txBox="1">
-            <a:spLocks noGrp="1"/>
-          </p:cNvSpPr>
-          <p:nvPr>
-            <p:ph type="body" idx="1"/>
-          </p:nvPr>
-        </p:nvSpPr>
-        <p:spPr>
-          <a:xfrm>
-            <a:off x="685800" y="4343400"/>
-            <a:ext cx="5486400" cy="4114800"/>
-          </a:xfrm>
-          <a:prstGeom prst="rect">
-            <a:avLst/>
-          </a:prstGeom>
-        </p:spPr>
-        <p:txBody>
-          <a:bodyPr spcFirstLastPara="1" wrap="square" lIns="91425" tIns="91425" rIns="91425" bIns="91425" anchor="t" anchorCtr="0">
-            <a:noAutofit/>
-          </a:bodyPr>
-          <a:lstStyle/>
-          <a:p>
-            <a:pPr marL="0" lvl="0" indent="0" algn="l" rtl="0">
-              <a:spcBef>
-                <a:spcPts val="0"/>
-              </a:spcBef>
-              <a:spcAft>
-                <a:spcPts val="0"/>
-              </a:spcAft>
-              <a:buNone/>
-            </a:pPr>
-            <a:endParaRPr/>
-          </a:p>
-        </p:txBody>
-      </p:sp>
-    </p:spTree>
-  </p:cSld>
-  <p:clrMapOvr>
-    <a:masterClrMapping/>
-  </p:clrMapOvr>
-</p:notes>
-</file>
-
-<file path=ppt/notesSlides/notesSlide4.xml><?xml version="1.0" encoding="utf-8"?>
-<p:notes xmlns:a="http://schemas.openxmlformats.org/drawingml/2006/main" xmlns:r="http://schemas.openxmlformats.org/officeDocument/2006/relationships" xmlns:p="http://schemas.openxmlformats.org/presentationml/2006/main" showMasterSp="0" showMasterPhAnim="0">
-  <p:cSld>
-    <p:spTree>
-      <p:nvGrpSpPr>
         <p:cNvPr id="1" name="Shape 608"/>
         <p:cNvGrpSpPr/>
         <p:nvPr/>
@@ -1119,7 +1019,7 @@
 </p:notes>
 </file>
 
-<file path=ppt/notesSlides/notesSlide5.xml><?xml version="1.0" encoding="utf-8"?>
+<file path=ppt/notesSlides/notesSlide4.xml><?xml version="1.0" encoding="utf-8"?>
 <p:notes xmlns:a="http://schemas.openxmlformats.org/drawingml/2006/main" xmlns:r="http://schemas.openxmlformats.org/officeDocument/2006/relationships" xmlns:p="http://schemas.openxmlformats.org/presentationml/2006/main" showMasterSp="0" showMasterPhAnim="0">
   <p:cSld>
     <p:spTree>
@@ -1223,7 +1123,7 @@
 </p:notes>
 </file>
 
-<file path=ppt/notesSlides/notesSlide6.xml><?xml version="1.0" encoding="utf-8"?>
+<file path=ppt/notesSlides/notesSlide5.xml><?xml version="1.0" encoding="utf-8"?>
 <p:notes xmlns:a="http://schemas.openxmlformats.org/drawingml/2006/main" xmlns:r="http://schemas.openxmlformats.org/officeDocument/2006/relationships" xmlns:p="http://schemas.openxmlformats.org/presentationml/2006/main" showMasterSp="0" showMasterPhAnim="0">
   <p:cSld>
     <p:spTree>
@@ -1327,7 +1227,7 @@
 </p:notes>
 </file>
 
-<file path=ppt/notesSlides/notesSlide7.xml><?xml version="1.0" encoding="utf-8"?>
+<file path=ppt/notesSlides/notesSlide6.xml><?xml version="1.0" encoding="utf-8"?>
 <p:notes xmlns:a="http://schemas.openxmlformats.org/drawingml/2006/main" xmlns:r="http://schemas.openxmlformats.org/officeDocument/2006/relationships" xmlns:p="http://schemas.openxmlformats.org/presentationml/2006/main" showMasterSp="0" showMasterPhAnim="0">
   <p:cSld>
     <p:spTree>
@@ -1431,7 +1331,7 @@
 </p:notes>
 </file>
 
-<file path=ppt/notesSlides/notesSlide8.xml><?xml version="1.0" encoding="utf-8"?>
+<file path=ppt/notesSlides/notesSlide7.xml><?xml version="1.0" encoding="utf-8"?>
 <p:notes xmlns:a="http://schemas.openxmlformats.org/drawingml/2006/main" xmlns:r="http://schemas.openxmlformats.org/officeDocument/2006/relationships" xmlns:p="http://schemas.openxmlformats.org/presentationml/2006/main" showMasterSp="0" showMasterPhAnim="0">
   <p:cSld>
     <p:spTree>
@@ -13124,7 +13024,7 @@
               <a:buNone/>
             </a:pPr>
             <a:r>
-              <a:rPr lang="en-US" dirty="0" smtClean="0"/>
+              <a:rPr lang="en-US" dirty="0"/>
               <a:t>Web Scraper</a:t>
             </a:r>
             <a:endParaRPr dirty="0"/>
@@ -13166,7 +13066,7 @@
               <a:buNone/>
             </a:pPr>
             <a:r>
-              <a:rPr lang="en" dirty="0" smtClean="0"/>
+              <a:rPr lang="en" dirty="0"/>
               <a:t>Made by Ioan Todorov</a:t>
             </a:r>
             <a:endParaRPr dirty="0"/>
@@ -13204,13 +13104,6 @@
   <p:clrMapOvr>
     <a:masterClrMapping/>
   </p:clrMapOvr>
-  <p:timing>
-    <p:tnLst>
-      <p:par>
-        <p:cTn id="1" dur="indefinite" restart="never" nodeType="tmRoot"/>
-      </p:par>
-    </p:tnLst>
-  </p:timing>
 </p:sld>
 </file>
 
@@ -13283,52 +13176,6 @@
       </p:sp>
       <p:sp>
         <p:nvSpPr>
-          <p:cNvPr id="486" name="Google Shape;486;p70"/>
-          <p:cNvSpPr txBox="1">
-            <a:spLocks noGrp="1"/>
-          </p:cNvSpPr>
-          <p:nvPr>
-            <p:ph type="title" idx="5"/>
-          </p:nvPr>
-        </p:nvSpPr>
-        <p:spPr>
-          <a:xfrm>
-            <a:off x="5690650" y="1146668"/>
-            <a:ext cx="3193800" cy="325200"/>
-          </a:xfrm>
-          <a:prstGeom prst="rect">
-            <a:avLst/>
-          </a:prstGeom>
-        </p:spPr>
-        <p:txBody>
-          <a:bodyPr spcFirstLastPara="1" wrap="square" lIns="91425" tIns="91425" rIns="91425" bIns="91425" anchor="ctr" anchorCtr="0">
-            <a:noAutofit/>
-          </a:bodyPr>
-          <a:lstStyle/>
-          <a:p>
-            <a:pPr marL="0" lvl="0" indent="0" algn="l" rtl="0">
-              <a:spcBef>
-                <a:spcPts val="0"/>
-              </a:spcBef>
-              <a:spcAft>
-                <a:spcPts val="0"/>
-              </a:spcAft>
-              <a:buNone/>
-            </a:pPr>
-            <a:r>
-              <a:rPr lang="en" sz="2600" dirty="0" smtClean="0"/>
-              <a:t>Who am I?</a:t>
-            </a:r>
-            <a:endParaRPr sz="2600" dirty="0">
-              <a:solidFill>
-                <a:schemeClr val="dk1"/>
-              </a:solidFill>
-            </a:endParaRPr>
-          </a:p>
-        </p:txBody>
-      </p:sp>
-      <p:sp>
-        <p:nvSpPr>
           <p:cNvPr id="487" name="Google Shape;487;p70"/>
           <p:cNvSpPr txBox="1">
             <a:spLocks noGrp="1"/>
@@ -13362,7 +13209,7 @@
               <a:buNone/>
             </a:pPr>
             <a:r>
-              <a:rPr lang="en-US" sz="2600" dirty="0" smtClean="0"/>
+              <a:rPr lang="en-US" sz="2600" dirty="0"/>
               <a:t>My Idea</a:t>
             </a:r>
             <a:endParaRPr sz="2600" dirty="0">
@@ -13370,48 +13217,6 @@
                 <a:schemeClr val="dk1"/>
               </a:solidFill>
             </a:endParaRPr>
-          </a:p>
-        </p:txBody>
-      </p:sp>
-      <p:sp>
-        <p:nvSpPr>
-          <p:cNvPr id="489" name="Google Shape;489;p70"/>
-          <p:cNvSpPr txBox="1">
-            <a:spLocks noGrp="1"/>
-          </p:cNvSpPr>
-          <p:nvPr>
-            <p:ph type="title" idx="2"/>
-          </p:nvPr>
-        </p:nvSpPr>
-        <p:spPr>
-          <a:xfrm>
-            <a:off x="4810771" y="1164068"/>
-            <a:ext cx="684600" cy="290400"/>
-          </a:xfrm>
-          <a:prstGeom prst="rect">
-            <a:avLst/>
-          </a:prstGeom>
-        </p:spPr>
-        <p:txBody>
-          <a:bodyPr spcFirstLastPara="1" wrap="square" lIns="91425" tIns="91425" rIns="91425" bIns="91425" anchor="ctr" anchorCtr="0">
-            <a:noAutofit/>
-          </a:bodyPr>
-          <a:lstStyle/>
-          <a:p>
-            <a:pPr marL="0" lvl="0" indent="0" algn="r" rtl="0">
-              <a:spcBef>
-                <a:spcPts val="0"/>
-              </a:spcBef>
-              <a:spcAft>
-                <a:spcPts val="0"/>
-              </a:spcAft>
-              <a:buNone/>
-            </a:pPr>
-            <a:r>
-              <a:rPr lang="en" sz="2600" dirty="0"/>
-              <a:t>01</a:t>
-            </a:r>
-            <a:endParaRPr sz="2600" dirty="0"/>
           </a:p>
         </p:txBody>
       </p:sp>
@@ -13451,7 +13256,7 @@
             </a:pPr>
             <a:r>
               <a:rPr lang="en" sz="2600" dirty="0"/>
-              <a:t>02</a:t>
+              <a:t>01</a:t>
             </a:r>
             <a:endParaRPr sz="2600" dirty="0"/>
           </a:p>
@@ -13492,15 +13297,15 @@
               <a:buNone/>
             </a:pPr>
             <a:r>
-              <a:rPr lang="en" sz="2600" dirty="0" smtClean="0"/>
+              <a:rPr lang="en" sz="2600" dirty="0"/>
               <a:t>How does </a:t>
             </a:r>
             <a:r>
-              <a:rPr lang="de-DE" sz="2600" dirty="0" smtClean="0"/>
+              <a:rPr lang="de-DE" sz="2600" dirty="0"/>
               <a:t>I</a:t>
             </a:r>
             <a:r>
-              <a:rPr lang="en" sz="2600" dirty="0" smtClean="0"/>
+              <a:rPr lang="en" sz="2600" dirty="0"/>
               <a:t>t work?</a:t>
             </a:r>
             <a:endParaRPr sz="2600" dirty="0">
@@ -13546,7 +13351,7 @@
               <a:buNone/>
             </a:pPr>
             <a:r>
-              <a:rPr lang="en" sz="2600" dirty="0" smtClean="0"/>
+              <a:rPr lang="en" sz="2600" dirty="0"/>
               <a:t>Used programs</a:t>
             </a:r>
             <a:endParaRPr sz="2600" dirty="0">
@@ -13593,7 +13398,7 @@
             </a:pPr>
             <a:r>
               <a:rPr lang="en" sz="2600" dirty="0"/>
-              <a:t>03</a:t>
+              <a:t>02</a:t>
             </a:r>
             <a:endParaRPr sz="2600" dirty="0"/>
           </a:p>
@@ -13672,231 +13477,10 @@
   <p:clrMapOvr>
     <a:masterClrMapping/>
   </p:clrMapOvr>
-  <p:timing>
-    <p:tnLst>
-      <p:par>
-        <p:cTn id="1" dur="indefinite" restart="never" nodeType="tmRoot"/>
-      </p:par>
-    </p:tnLst>
-  </p:timing>
 </p:sld>
 </file>
 
 <file path=ppt/slides/slide3.xml><?xml version="1.0" encoding="utf-8"?>
-<p:sld xmlns:a="http://schemas.openxmlformats.org/drawingml/2006/main" xmlns:r="http://schemas.openxmlformats.org/officeDocument/2006/relationships" xmlns:p="http://schemas.openxmlformats.org/presentationml/2006/main">
-  <p:cSld>
-    <p:spTree>
-      <p:nvGrpSpPr>
-        <p:cNvPr id="1" name="Shape 476"/>
-        <p:cNvGrpSpPr/>
-        <p:nvPr/>
-      </p:nvGrpSpPr>
-      <p:grpSpPr>
-        <a:xfrm>
-          <a:off x="0" y="0"/>
-          <a:ext cx="0" cy="0"/>
-          <a:chOff x="0" y="0"/>
-          <a:chExt cx="0" cy="0"/>
-        </a:xfrm>
-      </p:grpSpPr>
-      <p:sp>
-        <p:nvSpPr>
-          <p:cNvPr id="477" name="Google Shape;477;p69"/>
-          <p:cNvSpPr txBox="1">
-            <a:spLocks noGrp="1"/>
-          </p:cNvSpPr>
-          <p:nvPr>
-            <p:ph type="title"/>
-          </p:nvPr>
-        </p:nvSpPr>
-        <p:spPr>
-          <a:xfrm>
-            <a:off x="1726200" y="1681450"/>
-            <a:ext cx="5691600" cy="1311000"/>
-          </a:xfrm>
-          <a:prstGeom prst="rect">
-            <a:avLst/>
-          </a:prstGeom>
-        </p:spPr>
-        <p:txBody>
-          <a:bodyPr spcFirstLastPara="1" wrap="square" lIns="91425" tIns="91425" rIns="91425" bIns="91425" anchor="t" anchorCtr="0">
-            <a:noAutofit/>
-          </a:bodyPr>
-          <a:lstStyle/>
-          <a:p>
-            <a:pPr marL="0" lvl="0" indent="0" algn="ctr" rtl="0">
-              <a:spcBef>
-                <a:spcPts val="0"/>
-              </a:spcBef>
-              <a:spcAft>
-                <a:spcPts val="0"/>
-              </a:spcAft>
-              <a:buNone/>
-            </a:pPr>
-            <a:r>
-              <a:rPr lang="en" dirty="0" smtClean="0"/>
-              <a:t>Who am I?</a:t>
-            </a:r>
-            <a:endParaRPr dirty="0"/>
-          </a:p>
-        </p:txBody>
-      </p:sp>
-      <p:cxnSp>
-        <p:nvCxnSpPr>
-          <p:cNvPr id="479" name="Google Shape;479;p69"/>
-          <p:cNvCxnSpPr/>
-          <p:nvPr/>
-        </p:nvCxnSpPr>
-        <p:spPr>
-          <a:xfrm>
-            <a:off x="4248450" y="3035270"/>
-            <a:ext cx="647100" cy="0"/>
-          </a:xfrm>
-          <a:prstGeom prst="straightConnector1">
-            <a:avLst/>
-          </a:prstGeom>
-          <a:noFill/>
-          <a:ln w="19050" cap="flat" cmpd="sng">
-            <a:solidFill>
-              <a:schemeClr val="lt1"/>
-            </a:solidFill>
-            <a:prstDash val="solid"/>
-            <a:round/>
-            <a:headEnd type="none" w="med" len="med"/>
-            <a:tailEnd type="none" w="med" len="med"/>
-          </a:ln>
-        </p:spPr>
-      </p:cxnSp>
-    </p:spTree>
-  </p:cSld>
-  <p:clrMapOvr>
-    <a:masterClrMapping/>
-  </p:clrMapOvr>
-  <p:timing>
-    <p:tnLst>
-      <p:par>
-        <p:cTn id="1" dur="indefinite" restart="never" nodeType="tmRoot">
-          <p:childTnLst>
-            <p:seq concurrent="1" nextAc="seek">
-              <p:cTn id="2" dur="indefinite" nodeType="mainSeq">
-                <p:childTnLst>
-                  <p:par>
-                    <p:cTn id="3" fill="hold">
-                      <p:stCondLst>
-                        <p:cond delay="indefinite"/>
-                        <p:cond evt="onBegin" delay="0">
-                          <p:tn val="2"/>
-                        </p:cond>
-                      </p:stCondLst>
-                      <p:childTnLst>
-                        <p:par>
-                          <p:cTn id="4" fill="hold">
-                            <p:stCondLst>
-                              <p:cond delay="0"/>
-                            </p:stCondLst>
-                            <p:childTnLst>
-                              <p:par>
-                                <p:cTn id="5" presetID="10" presetClass="entr" presetSubtype="0" fill="hold" nodeType="afterEffect">
-                                  <p:stCondLst>
-                                    <p:cond delay="0"/>
-                                  </p:stCondLst>
-                                  <p:childTnLst>
-                                    <p:set>
-                                      <p:cBhvr>
-                                        <p:cTn id="6" dur="1" fill="hold">
-                                          <p:stCondLst>
-                                            <p:cond delay="0"/>
-                                          </p:stCondLst>
-                                        </p:cTn>
-                                        <p:tgtEl>
-                                          <p:spTgt spid="477"/>
-                                        </p:tgtEl>
-                                        <p:attrNameLst>
-                                          <p:attrName>style.visibility</p:attrName>
-                                        </p:attrNameLst>
-                                      </p:cBhvr>
-                                      <p:to>
-                                        <p:strVal val="visible"/>
-                                      </p:to>
-                                    </p:set>
-                                    <p:animEffect transition="in" filter="fade">
-                                      <p:cBhvr>
-                                        <p:cTn id="7" dur="1000"/>
-                                        <p:tgtEl>
-                                          <p:spTgt spid="477"/>
-                                        </p:tgtEl>
-                                      </p:cBhvr>
-                                    </p:animEffect>
-                                  </p:childTnLst>
-                                </p:cTn>
-                              </p:par>
-                              <p:par>
-                                <p:cTn id="8" presetID="10" presetClass="entr" presetSubtype="0" fill="hold" nodeType="withEffect">
-                                  <p:stCondLst>
-                                    <p:cond delay="0"/>
-                                  </p:stCondLst>
-                                  <p:childTnLst>
-                                    <p:set>
-                                      <p:cBhvr>
-                                        <p:cTn id="9" dur="1" fill="hold">
-                                          <p:stCondLst>
-                                            <p:cond delay="0"/>
-                                          </p:stCondLst>
-                                        </p:cTn>
-                                        <p:tgtEl>
-                                          <p:spTgt spid="479"/>
-                                        </p:tgtEl>
-                                        <p:attrNameLst>
-                                          <p:attrName>style.visibility</p:attrName>
-                                        </p:attrNameLst>
-                                      </p:cBhvr>
-                                      <p:to>
-                                        <p:strVal val="visible"/>
-                                      </p:to>
-                                    </p:set>
-                                    <p:animEffect transition="in" filter="fade">
-                                      <p:cBhvr>
-                                        <p:cTn id="10" dur="1000"/>
-                                        <p:tgtEl>
-                                          <p:spTgt spid="479"/>
-                                        </p:tgtEl>
-                                      </p:cBhvr>
-                                    </p:animEffect>
-                                  </p:childTnLst>
-                                </p:cTn>
-                              </p:par>
-                            </p:childTnLst>
-                          </p:cTn>
-                        </p:par>
-                      </p:childTnLst>
-                    </p:cTn>
-                  </p:par>
-                </p:childTnLst>
-              </p:cTn>
-              <p:prevCondLst>
-                <p:cond evt="onPrev" delay="0">
-                  <p:tgtEl>
-                    <p:sldTgt/>
-                  </p:tgtEl>
-                </p:cond>
-              </p:prevCondLst>
-              <p:nextCondLst>
-                <p:cond evt="onNext" delay="0">
-                  <p:tgtEl>
-                    <p:sldTgt/>
-                  </p:tgtEl>
-                </p:cond>
-              </p:nextCondLst>
-            </p:seq>
-          </p:childTnLst>
-        </p:cTn>
-      </p:par>
-    </p:tnLst>
-  </p:timing>
-</p:sld>
-</file>
-
-<file path=ppt/slides/slide4.xml><?xml version="1.0" encoding="utf-8"?>
 <p:sld xmlns:a="http://schemas.openxmlformats.org/drawingml/2006/main" xmlns:r="http://schemas.openxmlformats.org/officeDocument/2006/relationships" xmlns:p="http://schemas.openxmlformats.org/presentationml/2006/main">
   <p:cSld>
     <p:bg>
@@ -13956,7 +13540,7 @@
               <a:buNone/>
             </a:pPr>
             <a:r>
-              <a:rPr lang="en" dirty="0" smtClean="0"/>
+              <a:rPr lang="en" dirty="0"/>
               <a:t>My Idea</a:t>
             </a:r>
             <a:endParaRPr dirty="0"/>
@@ -13991,15 +13575,23 @@
             <a:pPr marL="0" lvl="0" indent="0"/>
             <a:r>
               <a:rPr lang="en-US" dirty="0"/>
-              <a:t>This is a Python script that scrapes a website, counts the occurrence of each word, and sorts them by usage. It uses the </a:t>
+              <a:t>The provided code is a web scraper that extracts the text content from a given URL and gives the user the option to order the words either by frequency or alphabetically. The program uses libraries such as </a:t>
             </a:r>
             <a:r>
-              <a:rPr lang="en-US" dirty="0" err="1"/>
+              <a:rPr lang="en-US" b="1" dirty="0"/>
+              <a:t>requests</a:t>
+            </a:r>
+            <a:r>
+              <a:rPr lang="en-US" dirty="0"/>
+              <a:t> and </a:t>
+            </a:r>
+            <a:r>
+              <a:rPr lang="en-US" b="1" dirty="0" err="1"/>
               <a:t>BeautifulSoup</a:t>
             </a:r>
             <a:r>
               <a:rPr lang="en-US" dirty="0"/>
-              <a:t> and requests libraries to retrieve the HTML content of a website and process the text data.</a:t>
+              <a:t> to fetch and parse the HTML content.</a:t>
             </a:r>
             <a:endParaRPr dirty="0">
               <a:solidFill>
@@ -14044,17 +13636,10 @@
   <p:clrMapOvr>
     <a:masterClrMapping/>
   </p:clrMapOvr>
-  <p:timing>
-    <p:tnLst>
-      <p:par>
-        <p:cTn id="1" dur="indefinite" restart="never" nodeType="tmRoot"/>
-      </p:par>
-    </p:tnLst>
-  </p:timing>
 </p:sld>
 </file>
 
-<file path=ppt/slides/slide5.xml><?xml version="1.0" encoding="utf-8"?>
+<file path=ppt/slides/slide4.xml><?xml version="1.0" encoding="utf-8"?>
 <p:sld xmlns:a="http://schemas.openxmlformats.org/drawingml/2006/main" xmlns:r="http://schemas.openxmlformats.org/officeDocument/2006/relationships" xmlns:p="http://schemas.openxmlformats.org/presentationml/2006/main">
   <p:cSld>
     <p:spTree>
@@ -14083,8 +13668,8 @@
         </p:nvSpPr>
         <p:spPr>
           <a:xfrm>
-            <a:off x="541290" y="1927895"/>
-            <a:ext cx="5023788" cy="2413811"/>
+            <a:off x="1105785" y="868582"/>
+            <a:ext cx="4301173" cy="4541755"/>
           </a:xfrm>
           <a:prstGeom prst="rect">
             <a:avLst/>
@@ -14096,117 +13681,259 @@
           </a:bodyPr>
           <a:lstStyle/>
           <a:p>
-            <a:pPr>
-              <a:buFont typeface="Wingdings" panose="05000000000000000000" pitchFamily="2" charset="2"/>
-              <a:buChar char="v"/>
+            <a:pPr marL="476250" indent="-342900">
+              <a:buFont typeface="+mj-lt"/>
+              <a:buAutoNum type="arabicPeriod"/>
             </a:pPr>
             <a:r>
-              <a:rPr lang="en-US" dirty="0">
+              <a:rPr lang="en-US" sz="1200" dirty="0">
                 <a:solidFill>
                   <a:schemeClr val="accent6"/>
                 </a:solidFill>
               </a:rPr>
-              <a:t>Sends a GET request to the provided website URL.</a:t>
+              <a:t>The </a:t>
+            </a:r>
+            <a:r>
+              <a:rPr lang="en-US" sz="1200" b="1" dirty="0" err="1">
+                <a:solidFill>
+                  <a:schemeClr val="accent6"/>
+                </a:solidFill>
+              </a:rPr>
+              <a:t>count_and_order_words</a:t>
+            </a:r>
+            <a:r>
+              <a:rPr lang="en-US" sz="1200" b="1" dirty="0">
+                <a:solidFill>
+                  <a:schemeClr val="accent6"/>
+                </a:solidFill>
+              </a:rPr>
+              <a:t> </a:t>
+            </a:r>
+            <a:r>
+              <a:rPr lang="en-US" sz="1200" dirty="0">
+                <a:solidFill>
+                  <a:schemeClr val="accent6"/>
+                </a:solidFill>
+              </a:rPr>
+              <a:t>function retrieves the text content from a given URL, cleans it, and splits it into individual words.</a:t>
             </a:r>
           </a:p>
           <a:p>
-            <a:pPr>
-              <a:buFont typeface="Wingdings" panose="05000000000000000000" pitchFamily="2" charset="2"/>
-              <a:buChar char="v"/>
+            <a:pPr marL="476250" indent="-342900">
+              <a:buFont typeface="+mj-lt"/>
+              <a:buAutoNum type="arabicPeriod"/>
             </a:pPr>
             <a:r>
-              <a:rPr lang="en-US" dirty="0">
+              <a:rPr lang="en-US" sz="1200" dirty="0">
                 <a:solidFill>
                   <a:schemeClr val="accent6"/>
                 </a:solidFill>
               </a:rPr>
-              <a:t>Retrieves the HTML content of the webpage.</a:t>
+              <a:t>If the </a:t>
+            </a:r>
+            <a:r>
+              <a:rPr lang="en-US" sz="1200" b="1" dirty="0" err="1">
+                <a:solidFill>
+                  <a:schemeClr val="accent6"/>
+                </a:solidFill>
+              </a:rPr>
+              <a:t>sort_by_frequency</a:t>
+            </a:r>
+            <a:r>
+              <a:rPr lang="en-US" sz="1200" b="1" dirty="0">
+                <a:solidFill>
+                  <a:schemeClr val="accent6"/>
+                </a:solidFill>
+              </a:rPr>
+              <a:t> </a:t>
+            </a:r>
+            <a:r>
+              <a:rPr lang="en-US" sz="1200" dirty="0">
+                <a:solidFill>
+                  <a:schemeClr val="accent6"/>
+                </a:solidFill>
+              </a:rPr>
+              <a:t>parameter is True, the function counts the occurrences of each word and returns a list of words sorted by their frequency.</a:t>
             </a:r>
           </a:p>
           <a:p>
-            <a:pPr>
-              <a:buFont typeface="Wingdings" panose="05000000000000000000" pitchFamily="2" charset="2"/>
-              <a:buChar char="v"/>
+            <a:pPr marL="476250" indent="-342900">
+              <a:buFont typeface="+mj-lt"/>
+              <a:buAutoNum type="arabicPeriod"/>
             </a:pPr>
             <a:r>
-              <a:rPr lang="en-US" dirty="0">
+              <a:rPr lang="en-US" sz="1200" dirty="0">
                 <a:solidFill>
                   <a:schemeClr val="accent6"/>
                 </a:solidFill>
               </a:rPr>
-              <a:t>Parses the HTML using </a:t>
+              <a:t>If </a:t>
             </a:r>
             <a:r>
-              <a:rPr lang="en-US" dirty="0" err="1">
+              <a:rPr lang="en-US" sz="1200" b="1" dirty="0" err="1">
                 <a:solidFill>
                   <a:schemeClr val="accent6"/>
                 </a:solidFill>
               </a:rPr>
-              <a:t>BeautifulSoup</a:t>
+              <a:t>sort_by_frequency</a:t>
             </a:r>
             <a:r>
-              <a:rPr lang="en-US" dirty="0">
+              <a:rPr lang="en-US" sz="1200" b="1" dirty="0">
                 <a:solidFill>
                   <a:schemeClr val="accent6"/>
                 </a:solidFill>
               </a:rPr>
-              <a:t> to extract the text data.</a:t>
+              <a:t> </a:t>
+            </a:r>
+            <a:r>
+              <a:rPr lang="en-US" sz="1200" dirty="0">
+                <a:solidFill>
+                  <a:schemeClr val="accent6"/>
+                </a:solidFill>
+              </a:rPr>
+              <a:t>is False, the function returns a list of words sorted alphabetically.</a:t>
             </a:r>
           </a:p>
           <a:p>
-            <a:pPr>
-              <a:buFont typeface="Wingdings" panose="05000000000000000000" pitchFamily="2" charset="2"/>
-              <a:buChar char="v"/>
+            <a:pPr marL="476250" indent="-342900">
+              <a:buFont typeface="+mj-lt"/>
+              <a:buAutoNum type="arabicPeriod"/>
             </a:pPr>
             <a:r>
-              <a:rPr lang="en-US" dirty="0">
+              <a:rPr lang="en-US" sz="1200" dirty="0">
                 <a:solidFill>
                   <a:schemeClr val="accent6"/>
                 </a:solidFill>
               </a:rPr>
-              <a:t>Cleans the text by removing non-alphanumeric characters and converting it to lowercase.</a:t>
+              <a:t>The </a:t>
+            </a:r>
+            <a:r>
+              <a:rPr lang="en-US" sz="1200" b="1" dirty="0" err="1">
+                <a:solidFill>
+                  <a:schemeClr val="accent6"/>
+                </a:solidFill>
+              </a:rPr>
+              <a:t>print_ordered_words</a:t>
+            </a:r>
+            <a:r>
+              <a:rPr lang="en-US" sz="1200" b="1" dirty="0">
+                <a:solidFill>
+                  <a:schemeClr val="accent6"/>
+                </a:solidFill>
+              </a:rPr>
+              <a:t> </a:t>
+            </a:r>
+            <a:r>
+              <a:rPr lang="en-US" sz="1200" dirty="0">
+                <a:solidFill>
+                  <a:schemeClr val="accent6"/>
+                </a:solidFill>
+              </a:rPr>
+              <a:t>function takes a list of words and prints them, along with their counts if available.</a:t>
             </a:r>
           </a:p>
           <a:p>
-            <a:pPr>
-              <a:buFont typeface="Wingdings" panose="05000000000000000000" pitchFamily="2" charset="2"/>
-              <a:buChar char="v"/>
+            <a:pPr marL="476250" indent="-342900">
+              <a:buFont typeface="+mj-lt"/>
+              <a:buAutoNum type="arabicPeriod"/>
             </a:pPr>
             <a:r>
-              <a:rPr lang="en-US" dirty="0">
+              <a:rPr lang="en-US" sz="1200" dirty="0">
                 <a:solidFill>
                   <a:schemeClr val="accent6"/>
                 </a:solidFill>
               </a:rPr>
-              <a:t>Splits the text into individual words.</a:t>
+              <a:t>The user can choose to order the words by frequency (option 1), order them alphabetically (option 2), or quit the program (option 3).</a:t>
             </a:r>
           </a:p>
           <a:p>
-            <a:pPr>
-              <a:buFont typeface="Wingdings" panose="05000000000000000000" pitchFamily="2" charset="2"/>
-              <a:buChar char="v"/>
+            <a:pPr marL="476250" indent="-342900">
+              <a:buFont typeface="+mj-lt"/>
+              <a:buAutoNum type="arabicPeriod"/>
             </a:pPr>
             <a:r>
-              <a:rPr lang="en-US" dirty="0">
+              <a:rPr lang="en-US" sz="1200" dirty="0">
                 <a:solidFill>
                   <a:schemeClr val="accent6"/>
                 </a:solidFill>
               </a:rPr>
-              <a:t>Counts the occurrence of each word using the Counter class from the collections module.</a:t>
+              <a:t>Depending on the user's choice, the </a:t>
+            </a:r>
+            <a:r>
+              <a:rPr lang="en-US" sz="1200" b="1" dirty="0" err="1">
+                <a:solidFill>
+                  <a:schemeClr val="accent6"/>
+                </a:solidFill>
+              </a:rPr>
+              <a:t>count_and_order_words</a:t>
+            </a:r>
+            <a:r>
+              <a:rPr lang="en-US" sz="1200" b="1" dirty="0">
+                <a:solidFill>
+                  <a:schemeClr val="accent6"/>
+                </a:solidFill>
+              </a:rPr>
+              <a:t> </a:t>
+            </a:r>
+            <a:r>
+              <a:rPr lang="en-US" sz="1200" dirty="0">
+                <a:solidFill>
+                  <a:schemeClr val="accent6"/>
+                </a:solidFill>
+              </a:rPr>
+              <a:t>function is called with the appropriate arguments, and the </a:t>
+            </a:r>
+            <a:r>
+              <a:rPr lang="en-US" sz="1200" b="1" dirty="0" err="1">
+                <a:solidFill>
+                  <a:schemeClr val="accent6"/>
+                </a:solidFill>
+              </a:rPr>
+              <a:t>print_ordered_words</a:t>
+            </a:r>
+            <a:r>
+              <a:rPr lang="en-US" sz="1200" b="1" dirty="0">
+                <a:solidFill>
+                  <a:schemeClr val="accent6"/>
+                </a:solidFill>
+              </a:rPr>
+              <a:t> </a:t>
+            </a:r>
+            <a:r>
+              <a:rPr lang="en-US" sz="1200" dirty="0">
+                <a:solidFill>
+                  <a:schemeClr val="accent6"/>
+                </a:solidFill>
+              </a:rPr>
+              <a:t>function is used to display the ordered words.</a:t>
             </a:r>
           </a:p>
           <a:p>
-            <a:pPr>
-              <a:buFont typeface="Wingdings" panose="05000000000000000000" pitchFamily="2" charset="2"/>
-              <a:buChar char="v"/>
+            <a:pPr marL="476250" indent="-342900">
+              <a:buFont typeface="+mj-lt"/>
+              <a:buAutoNum type="arabicPeriod"/>
             </a:pPr>
             <a:r>
-              <a:rPr lang="en-US" dirty="0">
+              <a:rPr lang="en-US" sz="1200" dirty="0">
                 <a:solidFill>
                   <a:schemeClr val="accent6"/>
                 </a:solidFill>
               </a:rPr>
-              <a:t>Sorts the words by their count in descending order.</a:t>
+              <a:t>If an invalid choice is entered, an error message is displayed.</a:t>
+            </a:r>
+          </a:p>
+          <a:p>
+            <a:pPr marL="476250" indent="-342900">
+              <a:buFont typeface="+mj-lt"/>
+              <a:buAutoNum type="arabicPeriod"/>
+            </a:pPr>
+            <a:r>
+              <a:rPr lang="en-US" sz="1200" dirty="0">
+                <a:solidFill>
+                  <a:schemeClr val="accent6"/>
+                </a:solidFill>
+              </a:rPr>
+              <a:t>The program continues running until the user chooses to quit.</a:t>
             </a:r>
           </a:p>
         </p:txBody>
@@ -14223,7 +13950,7 @@
         </p:nvSpPr>
         <p:spPr>
           <a:xfrm>
-            <a:off x="662466" y="941144"/>
+            <a:off x="1710978" y="97087"/>
             <a:ext cx="4109100" cy="528600"/>
           </a:xfrm>
           <a:prstGeom prst="rect">
@@ -14246,7 +13973,7 @@
               <a:buNone/>
             </a:pPr>
             <a:r>
-              <a:rPr lang="en" dirty="0" smtClean="0">
+              <a:rPr lang="en" dirty="0">
                 <a:solidFill>
                   <a:schemeClr val="accent6"/>
                 </a:solidFill>
@@ -14269,7 +13996,7 @@
         </p:nvCxnSpPr>
         <p:spPr>
           <a:xfrm>
-            <a:off x="662466" y="1732511"/>
+            <a:off x="1642363" y="720575"/>
             <a:ext cx="647100" cy="0"/>
           </a:xfrm>
           <a:prstGeom prst="straightConnector1">
@@ -14479,7 +14206,7 @@
 </p:sld>
 </file>
 
-<file path=ppt/slides/slide6.xml><?xml version="1.0" encoding="utf-8"?>
+<file path=ppt/slides/slide5.xml><?xml version="1.0" encoding="utf-8"?>
 <p:sld xmlns:a="http://schemas.openxmlformats.org/drawingml/2006/main" xmlns:r="http://schemas.openxmlformats.org/officeDocument/2006/relationships" xmlns:p="http://schemas.openxmlformats.org/presentationml/2006/main">
   <p:cSld>
     <p:bg>
@@ -14551,7 +14278,7 @@
           <a:lstStyle/>
           <a:p>
             <a:r>
-              <a:rPr lang="en-US" dirty="0" smtClean="0"/>
+              <a:rPr lang="en-US" dirty="0"/>
               <a:t>Used programs</a:t>
             </a:r>
             <a:endParaRPr lang="bg-BG" dirty="0"/>
@@ -14838,13 +14565,67 @@
   <p:clrMapOvr>
     <a:masterClrMapping/>
   </p:clrMapOvr>
-  <p:timing>
-    <p:tnLst>
-      <p:par>
-        <p:cTn id="1" dur="indefinite" restart="never" nodeType="tmRoot"/>
-      </p:par>
-    </p:tnLst>
-  </p:timing>
+</p:sld>
+</file>
+
+<file path=ppt/slides/slide6.xml><?xml version="1.0" encoding="utf-8"?>
+<p:sld xmlns:a="http://schemas.openxmlformats.org/drawingml/2006/main" xmlns:r="http://schemas.openxmlformats.org/officeDocument/2006/relationships" xmlns:p="http://schemas.openxmlformats.org/presentationml/2006/main">
+  <p:cSld>
+    <p:bg>
+      <p:bgPr>
+        <a:solidFill>
+          <a:schemeClr val="dk1"/>
+        </a:solidFill>
+        <a:effectLst/>
+      </p:bgPr>
+    </p:bg>
+    <p:spTree>
+      <p:nvGrpSpPr>
+        <p:cNvPr id="1" name="Shape 645"/>
+        <p:cNvGrpSpPr/>
+        <p:nvPr/>
+      </p:nvGrpSpPr>
+      <p:grpSpPr>
+        <a:xfrm>
+          <a:off x="0" y="0"/>
+          <a:ext cx="0" cy="0"/>
+          <a:chOff x="0" y="0"/>
+          <a:chExt cx="0" cy="0"/>
+        </a:xfrm>
+      </p:grpSpPr>
+      <p:sp>
+        <p:nvSpPr>
+          <p:cNvPr id="6" name="Title 5"/>
+          <p:cNvSpPr>
+            <a:spLocks noGrp="1"/>
+          </p:cNvSpPr>
+          <p:nvPr>
+            <p:ph type="title"/>
+          </p:nvPr>
+        </p:nvSpPr>
+        <p:spPr>
+          <a:xfrm>
+            <a:off x="1434946" y="1708544"/>
+            <a:ext cx="6605000" cy="1311000"/>
+          </a:xfrm>
+        </p:spPr>
+        <p:txBody>
+          <a:bodyPr/>
+          <a:lstStyle/>
+          <a:p>
+            <a:r>
+              <a:rPr lang="en-US" sz="6000" dirty="0"/>
+              <a:t>Let’s move on to the project</a:t>
+            </a:r>
+            <a:endParaRPr lang="bg-BG" sz="6000" dirty="0"/>
+          </a:p>
+        </p:txBody>
+      </p:sp>
+    </p:spTree>
+  </p:cSld>
+  <p:clrMapOvr>
+    <a:masterClrMapping/>
+  </p:clrMapOvr>
 </p:sld>
 </file>
 
@@ -14894,75 +14675,7 @@
           <a:lstStyle/>
           <a:p>
             <a:r>
-              <a:rPr lang="en-US" sz="6000" dirty="0" smtClean="0"/>
-              <a:t>Let’s move on to the project</a:t>
-            </a:r>
-            <a:endParaRPr lang="bg-BG" sz="6000" dirty="0"/>
-          </a:p>
-        </p:txBody>
-      </p:sp>
-    </p:spTree>
-  </p:cSld>
-  <p:clrMapOvr>
-    <a:masterClrMapping/>
-  </p:clrMapOvr>
-  <p:timing>
-    <p:tnLst>
-      <p:par>
-        <p:cTn id="1" dur="indefinite" restart="never" nodeType="tmRoot"/>
-      </p:par>
-    </p:tnLst>
-  </p:timing>
-</p:sld>
-</file>
-
-<file path=ppt/slides/slide8.xml><?xml version="1.0" encoding="utf-8"?>
-<p:sld xmlns:a="http://schemas.openxmlformats.org/drawingml/2006/main" xmlns:r="http://schemas.openxmlformats.org/officeDocument/2006/relationships" xmlns:p="http://schemas.openxmlformats.org/presentationml/2006/main">
-  <p:cSld>
-    <p:bg>
-      <p:bgPr>
-        <a:solidFill>
-          <a:schemeClr val="dk1"/>
-        </a:solidFill>
-        <a:effectLst/>
-      </p:bgPr>
-    </p:bg>
-    <p:spTree>
-      <p:nvGrpSpPr>
-        <p:cNvPr id="1" name="Shape 645"/>
-        <p:cNvGrpSpPr/>
-        <p:nvPr/>
-      </p:nvGrpSpPr>
-      <p:grpSpPr>
-        <a:xfrm>
-          <a:off x="0" y="0"/>
-          <a:ext cx="0" cy="0"/>
-          <a:chOff x="0" y="0"/>
-          <a:chExt cx="0" cy="0"/>
-        </a:xfrm>
-      </p:grpSpPr>
-      <p:sp>
-        <p:nvSpPr>
-          <p:cNvPr id="6" name="Title 5"/>
-          <p:cNvSpPr>
-            <a:spLocks noGrp="1"/>
-          </p:cNvSpPr>
-          <p:nvPr>
-            <p:ph type="title"/>
-          </p:nvPr>
-        </p:nvSpPr>
-        <p:spPr>
-          <a:xfrm>
-            <a:off x="1434946" y="1708544"/>
-            <a:ext cx="6605000" cy="1311000"/>
-          </a:xfrm>
-        </p:spPr>
-        <p:txBody>
-          <a:bodyPr/>
-          <a:lstStyle/>
-          <a:p>
-            <a:r>
-              <a:rPr lang="en-US" sz="6000" dirty="0" smtClean="0"/>
+              <a:rPr lang="en-US" sz="6000" dirty="0"/>
               <a:t>Thank you for your attention</a:t>
             </a:r>
             <a:endParaRPr lang="bg-BG" sz="6000" dirty="0"/>
@@ -14979,13 +14692,6 @@
   <p:clrMapOvr>
     <a:masterClrMapping/>
   </p:clrMapOvr>
-  <p:timing>
-    <p:tnLst>
-      <p:par>
-        <p:cTn id="1" dur="indefinite" restart="never" nodeType="tmRoot"/>
-      </p:par>
-    </p:tnLst>
-  </p:timing>
 </p:sld>
 </file>
 
